--- a/assets/integrity.pptx
+++ b/assets/integrity.pptx
@@ -6,6 +6,8 @@
   </p:sldMasterIdLst>
   <p:sldIdLst>
     <p:sldId id="256" r:id="rId2"/>
+    <p:sldId id="258" r:id="rId3"/>
+    <p:sldId id="259" r:id="rId4"/>
   </p:sldIdLst>
   <p:sldSz cx="12192000" cy="6858000"/>
   <p:notesSz cx="6858000" cy="9144000"/>
@@ -104,6 +106,11 @@
       </a:defRPr>
     </a:lvl9pPr>
   </p:defaultTextStyle>
+  <p:extLst>
+    <p:ext uri="{EFAFB233-063F-42B5-8137-9DF3F51BA10A}">
+      <p15:sldGuideLst xmlns:p15="http://schemas.microsoft.com/office/powerpoint/2012/main"/>
+    </p:ext>
+  </p:extLst>
 </p:presentation>
 </file>
 
@@ -3346,6 +3353,41 @@
           <a:chExt cx="0" cy="0"/>
         </a:xfrm>
       </p:grpSpPr>
+      <p:pic>
+        <p:nvPicPr>
+          <p:cNvPr id="7" name="Graphic 6">
+            <a:extLst>
+              <a:ext uri="{FF2B5EF4-FFF2-40B4-BE49-F238E27FC236}">
+                <a16:creationId xmlns:a16="http://schemas.microsoft.com/office/drawing/2014/main" id="{5ED4BBA2-D51F-A5AF-21F1-6A6D24D013A6}"/>
+              </a:ext>
+            </a:extLst>
+          </p:cNvPr>
+          <p:cNvPicPr>
+            <a:picLocks noChangeAspect="1"/>
+          </p:cNvPicPr>
+          <p:nvPr/>
+        </p:nvPicPr>
+        <p:blipFill>
+          <a:blip r:embed="rId2">
+            <a:extLst>
+              <a:ext uri="{96DAC541-7B7A-43D3-8B79-37D633B846F1}">
+                <asvg:svgBlip xmlns:asvg="http://schemas.microsoft.com/office/drawing/2016/SVG/main" r:embed="rId3"/>
+              </a:ext>
+            </a:extLst>
+          </a:blip>
+          <a:srcRect l="9449" t="18695" r="9449" b="29278"/>
+          <a:stretch/>
+        </p:blipFill>
+        <p:spPr>
+          <a:xfrm>
+            <a:off x="2303360" y="2538746"/>
+            <a:ext cx="7488000" cy="2045647"/>
+          </a:xfrm>
+          <a:prstGeom prst="rect">
+            <a:avLst/>
+          </a:prstGeom>
+        </p:spPr>
+      </p:pic>
       <p:sp>
         <p:nvSpPr>
           <p:cNvPr id="6" name="Rectangle 5">
@@ -3360,8 +3402,8 @@
         </p:nvSpPr>
         <p:spPr>
           <a:xfrm>
-            <a:off x="2365394" y="2288738"/>
-            <a:ext cx="7944877" cy="2357603"/>
+            <a:off x="1395370" y="2193722"/>
+            <a:ext cx="9401262" cy="2470558"/>
           </a:xfrm>
           <a:prstGeom prst="rect">
             <a:avLst/>
@@ -3396,12 +3438,133 @@
           </a:p>
         </p:txBody>
       </p:sp>
+      <p:pic>
+        <p:nvPicPr>
+          <p:cNvPr id="2" name="Graphic 1">
+            <a:extLst>
+              <a:ext uri="{FF2B5EF4-FFF2-40B4-BE49-F238E27FC236}">
+                <a16:creationId xmlns:a16="http://schemas.microsoft.com/office/drawing/2014/main" id="{45236075-88F5-46FE-ABDF-8D661865E272}"/>
+              </a:ext>
+            </a:extLst>
+          </p:cNvPr>
+          <p:cNvPicPr>
+            <a:picLocks noChangeAspect="1"/>
+          </p:cNvPicPr>
+          <p:nvPr/>
+        </p:nvPicPr>
+        <p:blipFill>
+          <a:blip r:embed="rId4">
+            <a:extLst>
+              <a:ext uri="{96DAC541-7B7A-43D3-8B79-37D633B846F1}">
+                <asvg:svgBlip xmlns:asvg="http://schemas.microsoft.com/office/drawing/2016/SVG/main" r:embed="rId5"/>
+              </a:ext>
+            </a:extLst>
+          </a:blip>
+          <a:srcRect l="40106" t="51270" r="40106" b="32302"/>
+          <a:stretch/>
+        </p:blipFill>
+        <p:spPr>
+          <a:xfrm>
+            <a:off x="9523097" y="2641996"/>
+            <a:ext cx="607018" cy="747933"/>
+          </a:xfrm>
+          <a:prstGeom prst="rect">
+            <a:avLst/>
+          </a:prstGeom>
+        </p:spPr>
+      </p:pic>
+    </p:spTree>
+    <p:extLst>
+      <p:ext uri="{BB962C8B-B14F-4D97-AF65-F5344CB8AC3E}">
+        <p14:creationId xmlns:p14="http://schemas.microsoft.com/office/powerpoint/2010/main" val="4122620106"/>
+      </p:ext>
+    </p:extLst>
+  </p:cSld>
+  <p:clrMapOvr>
+    <a:masterClrMapping/>
+  </p:clrMapOvr>
+</p:sld>
+</file>
+
+<file path=ppt/slides/slide2.xml><?xml version="1.0" encoding="utf-8"?>
+<p:sld xmlns:a="http://schemas.openxmlformats.org/drawingml/2006/main" xmlns:r="http://schemas.openxmlformats.org/officeDocument/2006/relationships" xmlns:p="http://schemas.openxmlformats.org/presentationml/2006/main">
+  <p:cSld>
+    <p:spTree>
+      <p:nvGrpSpPr>
+        <p:cNvPr id="1" name="">
+          <a:extLst>
+            <a:ext uri="{FF2B5EF4-FFF2-40B4-BE49-F238E27FC236}">
+              <a16:creationId xmlns:a16="http://schemas.microsoft.com/office/drawing/2014/main" id="{10F3807C-021C-E908-DF8B-7B1DB9D18993}"/>
+            </a:ext>
+          </a:extLst>
+        </p:cNvPr>
+        <p:cNvGrpSpPr/>
+        <p:nvPr/>
+      </p:nvGrpSpPr>
+      <p:grpSpPr>
+        <a:xfrm>
+          <a:off x="0" y="0"/>
+          <a:ext cx="0" cy="0"/>
+          <a:chOff x="0" y="0"/>
+          <a:chExt cx="0" cy="0"/>
+        </a:xfrm>
+      </p:grpSpPr>
+      <p:sp>
+        <p:nvSpPr>
+          <p:cNvPr id="6" name="Rectangle 5">
+            <a:extLst>
+              <a:ext uri="{FF2B5EF4-FFF2-40B4-BE49-F238E27FC236}">
+                <a16:creationId xmlns:a16="http://schemas.microsoft.com/office/drawing/2014/main" id="{C00E1B04-631A-6507-93C5-683AAA9ECC2E}"/>
+              </a:ext>
+            </a:extLst>
+          </p:cNvPr>
+          <p:cNvSpPr/>
+          <p:nvPr/>
+        </p:nvSpPr>
+        <p:spPr>
+          <a:xfrm>
+            <a:off x="1395370" y="2193722"/>
+            <a:ext cx="9401262" cy="2470558"/>
+          </a:xfrm>
+          <a:prstGeom prst="rect">
+            <a:avLst/>
+          </a:prstGeom>
+          <a:noFill/>
+          <a:ln>
+            <a:noFill/>
+          </a:ln>
+        </p:spPr>
+        <p:style>
+          <a:lnRef idx="2">
+            <a:schemeClr val="accent1">
+              <a:shade val="15000"/>
+            </a:schemeClr>
+          </a:lnRef>
+          <a:fillRef idx="1">
+            <a:schemeClr val="accent1"/>
+          </a:fillRef>
+          <a:effectRef idx="0">
+            <a:schemeClr val="accent1"/>
+          </a:effectRef>
+          <a:fontRef idx="minor">
+            <a:schemeClr val="lt1"/>
+          </a:fontRef>
+        </p:style>
+        <p:txBody>
+          <a:bodyPr rtlCol="0" anchor="ctr"/>
+          <a:lstStyle/>
+          <a:p>
+            <a:pPr algn="ctr"/>
+            <a:endParaRPr lang="en-GB" dirty="0"/>
+          </a:p>
+        </p:txBody>
+      </p:sp>
       <p:sp>
         <p:nvSpPr>
           <p:cNvPr id="4" name="TextBox 3">
             <a:extLst>
               <a:ext uri="{FF2B5EF4-FFF2-40B4-BE49-F238E27FC236}">
-                <a16:creationId xmlns:a16="http://schemas.microsoft.com/office/drawing/2014/main" id="{20FEFCE2-277F-6041-354D-50982DDBC44F}"/>
+                <a16:creationId xmlns:a16="http://schemas.microsoft.com/office/drawing/2014/main" id="{AD1D0367-F395-3E71-7730-DBD084EA1E54}"/>
               </a:ext>
             </a:extLst>
           </p:cNvPr>
@@ -3435,12 +3598,135 @@
           </a:p>
         </p:txBody>
       </p:sp>
-      <p:sp>
-        <p:nvSpPr>
-          <p:cNvPr id="5" name="TextBox 4">
-            <a:extLst>
-              <a:ext uri="{FF2B5EF4-FFF2-40B4-BE49-F238E27FC236}">
-                <a16:creationId xmlns:a16="http://schemas.microsoft.com/office/drawing/2014/main" id="{61996C04-099E-BBC0-779B-D0EEB89E1F95}"/>
+      <p:pic>
+        <p:nvPicPr>
+          <p:cNvPr id="2" name="Graphic 1">
+            <a:extLst>
+              <a:ext uri="{FF2B5EF4-FFF2-40B4-BE49-F238E27FC236}">
+                <a16:creationId xmlns:a16="http://schemas.microsoft.com/office/drawing/2014/main" id="{99146880-66DC-BD38-74C0-542A8155FE9D}"/>
+              </a:ext>
+            </a:extLst>
+          </p:cNvPr>
+          <p:cNvPicPr>
+            <a:picLocks noChangeAspect="1"/>
+          </p:cNvPicPr>
+          <p:nvPr/>
+        </p:nvPicPr>
+        <p:blipFill>
+          <a:blip r:embed="rId2">
+            <a:extLst>
+              <a:ext uri="{96DAC541-7B7A-43D3-8B79-37D633B846F1}">
+                <asvg:svgBlip xmlns:asvg="http://schemas.microsoft.com/office/drawing/2016/SVG/main" r:embed="rId3"/>
+              </a:ext>
+            </a:extLst>
+          </a:blip>
+          <a:srcRect l="40106" t="51270" r="40106" b="32302"/>
+          <a:stretch/>
+        </p:blipFill>
+        <p:spPr>
+          <a:xfrm>
+            <a:off x="9523097" y="2641996"/>
+            <a:ext cx="607018" cy="747933"/>
+          </a:xfrm>
+          <a:prstGeom prst="rect">
+            <a:avLst/>
+          </a:prstGeom>
+        </p:spPr>
+      </p:pic>
+    </p:spTree>
+    <p:extLst>
+      <p:ext uri="{BB962C8B-B14F-4D97-AF65-F5344CB8AC3E}">
+        <p14:creationId xmlns:p14="http://schemas.microsoft.com/office/powerpoint/2010/main" val="4183111389"/>
+      </p:ext>
+    </p:extLst>
+  </p:cSld>
+  <p:clrMapOvr>
+    <a:masterClrMapping/>
+  </p:clrMapOvr>
+</p:sld>
+</file>
+
+<file path=ppt/slides/slide3.xml><?xml version="1.0" encoding="utf-8"?>
+<p:sld xmlns:a="http://schemas.openxmlformats.org/drawingml/2006/main" xmlns:r="http://schemas.openxmlformats.org/officeDocument/2006/relationships" xmlns:p="http://schemas.openxmlformats.org/presentationml/2006/main">
+  <p:cSld>
+    <p:spTree>
+      <p:nvGrpSpPr>
+        <p:cNvPr id="1" name="">
+          <a:extLst>
+            <a:ext uri="{FF2B5EF4-FFF2-40B4-BE49-F238E27FC236}">
+              <a16:creationId xmlns:a16="http://schemas.microsoft.com/office/drawing/2014/main" id="{AFB6EFA0-1E57-A881-4E9C-28F9E813150D}"/>
+            </a:ext>
+          </a:extLst>
+        </p:cNvPr>
+        <p:cNvGrpSpPr/>
+        <p:nvPr/>
+      </p:nvGrpSpPr>
+      <p:grpSpPr>
+        <a:xfrm>
+          <a:off x="0" y="0"/>
+          <a:ext cx="0" cy="0"/>
+          <a:chOff x="0" y="0"/>
+          <a:chExt cx="0" cy="0"/>
+        </a:xfrm>
+      </p:grpSpPr>
+      <p:sp>
+        <p:nvSpPr>
+          <p:cNvPr id="3" name="Rectangle 2">
+            <a:extLst>
+              <a:ext uri="{FF2B5EF4-FFF2-40B4-BE49-F238E27FC236}">
+                <a16:creationId xmlns:a16="http://schemas.microsoft.com/office/drawing/2014/main" id="{9A95BCC5-5308-81CC-1F76-1B123A1A840F}"/>
+              </a:ext>
+            </a:extLst>
+          </p:cNvPr>
+          <p:cNvSpPr/>
+          <p:nvPr/>
+        </p:nvSpPr>
+        <p:spPr>
+          <a:xfrm>
+            <a:off x="506186" y="1983996"/>
+            <a:ext cx="11179628" cy="2890008"/>
+          </a:xfrm>
+          <a:prstGeom prst="rect">
+            <a:avLst/>
+          </a:prstGeom>
+          <a:solidFill>
+            <a:schemeClr val="bg1"/>
+          </a:solidFill>
+          <a:ln>
+            <a:noFill/>
+          </a:ln>
+        </p:spPr>
+        <p:style>
+          <a:lnRef idx="2">
+            <a:schemeClr val="accent1">
+              <a:shade val="15000"/>
+            </a:schemeClr>
+          </a:lnRef>
+          <a:fillRef idx="1">
+            <a:schemeClr val="accent1"/>
+          </a:fillRef>
+          <a:effectRef idx="0">
+            <a:schemeClr val="accent1"/>
+          </a:effectRef>
+          <a:fontRef idx="minor">
+            <a:schemeClr val="lt1"/>
+          </a:fontRef>
+        </p:style>
+        <p:txBody>
+          <a:bodyPr rtlCol="0" anchor="ctr"/>
+          <a:lstStyle/>
+          <a:p>
+            <a:pPr algn="ctr"/>
+            <a:endParaRPr lang="en-GB"/>
+          </a:p>
+        </p:txBody>
+      </p:sp>
+      <p:sp>
+        <p:nvSpPr>
+          <p:cNvPr id="4" name="TextBox 3">
+            <a:extLst>
+              <a:ext uri="{FF2B5EF4-FFF2-40B4-BE49-F238E27FC236}">
+                <a16:creationId xmlns:a16="http://schemas.microsoft.com/office/drawing/2014/main" id="{DF55817C-BC2C-ACD9-0772-F10CD9F25D8B}"/>
               </a:ext>
             </a:extLst>
           </p:cNvPr>
@@ -3449,8 +3735,8 @@
         </p:nvSpPr>
         <p:spPr>
           <a:xfrm>
-            <a:off x="9506137" y="928315"/>
-            <a:ext cx="649537" cy="2693045"/>
+            <a:off x="2555608" y="2274838"/>
+            <a:ext cx="7080785" cy="2308324"/>
           </a:xfrm>
           <a:prstGeom prst="rect">
             <a:avLst/>
@@ -3464,22 +3750,55 @@
           <a:lstStyle/>
           <a:p>
             <a:r>
-              <a:rPr lang="en-GB" sz="16900" i="1" dirty="0">
-                <a:solidFill>
-                  <a:schemeClr val="accent1"/>
-                </a:solidFill>
-                <a:ea typeface="Noto Sans" panose="020B0502040504020204" pitchFamily="34" charset="0"/>
-                <a:cs typeface="Noto Sans" panose="020B0502040504020204" pitchFamily="34" charset="0"/>
+              <a:rPr lang="en-GB" sz="14400" dirty="0">
+                <a:latin typeface="CMU Serif" panose="02000603000000000000" pitchFamily="2" charset="0"/>
+                <a:ea typeface="CMU Serif" panose="02000603000000000000" pitchFamily="2" charset="0"/>
+                <a:cs typeface="CMU Serif" panose="02000603000000000000" pitchFamily="2" charset="0"/>
               </a:rPr>
-              <a:t>,</a:t>
-            </a:r>
-          </a:p>
-        </p:txBody>
-      </p:sp>
+              <a:t>integrity</a:t>
+            </a:r>
+          </a:p>
+        </p:txBody>
+      </p:sp>
+      <p:pic>
+        <p:nvPicPr>
+          <p:cNvPr id="2" name="Graphic 1">
+            <a:extLst>
+              <a:ext uri="{FF2B5EF4-FFF2-40B4-BE49-F238E27FC236}">
+                <a16:creationId xmlns:a16="http://schemas.microsoft.com/office/drawing/2014/main" id="{36715206-59B2-F02A-EF54-2ED0C89F5C14}"/>
+              </a:ext>
+            </a:extLst>
+          </p:cNvPr>
+          <p:cNvPicPr>
+            <a:picLocks noChangeAspect="1"/>
+          </p:cNvPicPr>
+          <p:nvPr/>
+        </p:nvPicPr>
+        <p:blipFill>
+          <a:blip r:embed="rId2">
+            <a:extLst>
+              <a:ext uri="{96DAC541-7B7A-43D3-8B79-37D633B846F1}">
+                <asvg:svgBlip xmlns:asvg="http://schemas.microsoft.com/office/drawing/2016/SVG/main" r:embed="rId3"/>
+              </a:ext>
+            </a:extLst>
+          </a:blip>
+          <a:srcRect l="40106" t="51270" r="40106" b="32302"/>
+          <a:stretch/>
+        </p:blipFill>
+        <p:spPr>
+          <a:xfrm>
+            <a:off x="9523097" y="2641996"/>
+            <a:ext cx="607018" cy="747933"/>
+          </a:xfrm>
+          <a:prstGeom prst="rect">
+            <a:avLst/>
+          </a:prstGeom>
+        </p:spPr>
+      </p:pic>
     </p:spTree>
     <p:extLst>
       <p:ext uri="{BB962C8B-B14F-4D97-AF65-F5344CB8AC3E}">
-        <p14:creationId xmlns:p14="http://schemas.microsoft.com/office/powerpoint/2010/main" val="4122620106"/>
+        <p14:creationId xmlns:p14="http://schemas.microsoft.com/office/powerpoint/2010/main" val="2536669169"/>
       </p:ext>
     </p:extLst>
   </p:cSld>
